--- a/doc/대용량 플랫폼.pptx
+++ b/doc/대용량 플랫폼.pptx
@@ -107,7 +107,7 @@
   </p:defaultTextStyle>
   <p:extLst>
     <p:ext uri="{EFAFB233-063F-42B5-8137-9DF3F51BA10A}">
-      <p15:sldGuideLst xmlns:p15="http://schemas.microsoft.com/office/powerpoint/2012/main"/>
+      <p15:sldGuideLst xmlns:p15="http://schemas.microsoft.com/office/powerpoint/2012/main" xmlns=""/>
     </p:ext>
   </p:extLst>
 </p:presentation>
@@ -244,7 +244,8 @@
           <a:p>
             <a:fld id="{56EB93BF-DD5B-4223-84AD-6457057BBC21}" type="datetimeFigureOut">
               <a:rPr lang="ko-KR" altLang="en-US" smtClean="0"/>
-              <a:t>2015-02-08</a:t>
+              <a:pPr/>
+              <a:t>2015-02-09</a:t>
             </a:fld>
             <a:endParaRPr lang="ko-KR" altLang="en-US"/>
           </a:p>
@@ -286,6 +287,7 @@
           <a:p>
             <a:fld id="{F8604710-49FD-4625-BB9A-012C7AE35F30}" type="slidenum">
               <a:rPr lang="ko-KR" altLang="en-US" smtClean="0"/>
+              <a:pPr/>
               <a:t>‹#›</a:t>
             </a:fld>
             <a:endParaRPr lang="ko-KR" altLang="en-US"/>
@@ -295,7 +297,7 @@
     </p:spTree>
     <p:extLst>
       <p:ext uri="{BB962C8B-B14F-4D97-AF65-F5344CB8AC3E}">
-        <p14:creationId xmlns:p14="http://schemas.microsoft.com/office/powerpoint/2010/main" val="2537884269"/>
+        <p14:creationId xmlns:p14="http://schemas.microsoft.com/office/powerpoint/2010/main" xmlns="" val="2537884269"/>
       </p:ext>
     </p:extLst>
   </p:cSld>
@@ -414,7 +416,8 @@
           <a:p>
             <a:fld id="{56EB93BF-DD5B-4223-84AD-6457057BBC21}" type="datetimeFigureOut">
               <a:rPr lang="ko-KR" altLang="en-US" smtClean="0"/>
-              <a:t>2015-02-08</a:t>
+              <a:pPr/>
+              <a:t>2015-02-09</a:t>
             </a:fld>
             <a:endParaRPr lang="ko-KR" altLang="en-US"/>
           </a:p>
@@ -456,6 +459,7 @@
           <a:p>
             <a:fld id="{F8604710-49FD-4625-BB9A-012C7AE35F30}" type="slidenum">
               <a:rPr lang="ko-KR" altLang="en-US" smtClean="0"/>
+              <a:pPr/>
               <a:t>‹#›</a:t>
             </a:fld>
             <a:endParaRPr lang="ko-KR" altLang="en-US"/>
@@ -465,7 +469,7 @@
     </p:spTree>
     <p:extLst>
       <p:ext uri="{BB962C8B-B14F-4D97-AF65-F5344CB8AC3E}">
-        <p14:creationId xmlns:p14="http://schemas.microsoft.com/office/powerpoint/2010/main" val="2662831839"/>
+        <p14:creationId xmlns:p14="http://schemas.microsoft.com/office/powerpoint/2010/main" xmlns="" val="2662831839"/>
       </p:ext>
     </p:extLst>
   </p:cSld>
@@ -594,7 +598,8 @@
           <a:p>
             <a:fld id="{56EB93BF-DD5B-4223-84AD-6457057BBC21}" type="datetimeFigureOut">
               <a:rPr lang="ko-KR" altLang="en-US" smtClean="0"/>
-              <a:t>2015-02-08</a:t>
+              <a:pPr/>
+              <a:t>2015-02-09</a:t>
             </a:fld>
             <a:endParaRPr lang="ko-KR" altLang="en-US"/>
           </a:p>
@@ -636,6 +641,7 @@
           <a:p>
             <a:fld id="{F8604710-49FD-4625-BB9A-012C7AE35F30}" type="slidenum">
               <a:rPr lang="ko-KR" altLang="en-US" smtClean="0"/>
+              <a:pPr/>
               <a:t>‹#›</a:t>
             </a:fld>
             <a:endParaRPr lang="ko-KR" altLang="en-US"/>
@@ -645,7 +651,7 @@
     </p:spTree>
     <p:extLst>
       <p:ext uri="{BB962C8B-B14F-4D97-AF65-F5344CB8AC3E}">
-        <p14:creationId xmlns:p14="http://schemas.microsoft.com/office/powerpoint/2010/main" val="815155010"/>
+        <p14:creationId xmlns:p14="http://schemas.microsoft.com/office/powerpoint/2010/main" xmlns="" val="815155010"/>
       </p:ext>
     </p:extLst>
   </p:cSld>
@@ -764,7 +770,8 @@
           <a:p>
             <a:fld id="{56EB93BF-DD5B-4223-84AD-6457057BBC21}" type="datetimeFigureOut">
               <a:rPr lang="ko-KR" altLang="en-US" smtClean="0"/>
-              <a:t>2015-02-08</a:t>
+              <a:pPr/>
+              <a:t>2015-02-09</a:t>
             </a:fld>
             <a:endParaRPr lang="ko-KR" altLang="en-US"/>
           </a:p>
@@ -806,6 +813,7 @@
           <a:p>
             <a:fld id="{F8604710-49FD-4625-BB9A-012C7AE35F30}" type="slidenum">
               <a:rPr lang="ko-KR" altLang="en-US" smtClean="0"/>
+              <a:pPr/>
               <a:t>‹#›</a:t>
             </a:fld>
             <a:endParaRPr lang="ko-KR" altLang="en-US"/>
@@ -815,7 +823,7 @@
     </p:spTree>
     <p:extLst>
       <p:ext uri="{BB962C8B-B14F-4D97-AF65-F5344CB8AC3E}">
-        <p14:creationId xmlns:p14="http://schemas.microsoft.com/office/powerpoint/2010/main" val="2959793242"/>
+        <p14:creationId xmlns:p14="http://schemas.microsoft.com/office/powerpoint/2010/main" xmlns="" val="2959793242"/>
       </p:ext>
     </p:extLst>
   </p:cSld>
@@ -1010,7 +1018,8 @@
           <a:p>
             <a:fld id="{56EB93BF-DD5B-4223-84AD-6457057BBC21}" type="datetimeFigureOut">
               <a:rPr lang="ko-KR" altLang="en-US" smtClean="0"/>
-              <a:t>2015-02-08</a:t>
+              <a:pPr/>
+              <a:t>2015-02-09</a:t>
             </a:fld>
             <a:endParaRPr lang="ko-KR" altLang="en-US"/>
           </a:p>
@@ -1052,6 +1061,7 @@
           <a:p>
             <a:fld id="{F8604710-49FD-4625-BB9A-012C7AE35F30}" type="slidenum">
               <a:rPr lang="ko-KR" altLang="en-US" smtClean="0"/>
+              <a:pPr/>
               <a:t>‹#›</a:t>
             </a:fld>
             <a:endParaRPr lang="ko-KR" altLang="en-US"/>
@@ -1061,7 +1071,7 @@
     </p:spTree>
     <p:extLst>
       <p:ext uri="{BB962C8B-B14F-4D97-AF65-F5344CB8AC3E}">
-        <p14:creationId xmlns:p14="http://schemas.microsoft.com/office/powerpoint/2010/main" val="3272128152"/>
+        <p14:creationId xmlns:p14="http://schemas.microsoft.com/office/powerpoint/2010/main" xmlns="" val="3272128152"/>
       </p:ext>
     </p:extLst>
   </p:cSld>
@@ -1242,7 +1252,8 @@
           <a:p>
             <a:fld id="{56EB93BF-DD5B-4223-84AD-6457057BBC21}" type="datetimeFigureOut">
               <a:rPr lang="ko-KR" altLang="en-US" smtClean="0"/>
-              <a:t>2015-02-08</a:t>
+              <a:pPr/>
+              <a:t>2015-02-09</a:t>
             </a:fld>
             <a:endParaRPr lang="ko-KR" altLang="en-US"/>
           </a:p>
@@ -1284,6 +1295,7 @@
           <a:p>
             <a:fld id="{F8604710-49FD-4625-BB9A-012C7AE35F30}" type="slidenum">
               <a:rPr lang="ko-KR" altLang="en-US" smtClean="0"/>
+              <a:pPr/>
               <a:t>‹#›</a:t>
             </a:fld>
             <a:endParaRPr lang="ko-KR" altLang="en-US"/>
@@ -1293,7 +1305,7 @@
     </p:spTree>
     <p:extLst>
       <p:ext uri="{BB962C8B-B14F-4D97-AF65-F5344CB8AC3E}">
-        <p14:creationId xmlns:p14="http://schemas.microsoft.com/office/powerpoint/2010/main" val="1992662306"/>
+        <p14:creationId xmlns:p14="http://schemas.microsoft.com/office/powerpoint/2010/main" xmlns="" val="1992662306"/>
       </p:ext>
     </p:extLst>
   </p:cSld>
@@ -1609,7 +1621,8 @@
           <a:p>
             <a:fld id="{56EB93BF-DD5B-4223-84AD-6457057BBC21}" type="datetimeFigureOut">
               <a:rPr lang="ko-KR" altLang="en-US" smtClean="0"/>
-              <a:t>2015-02-08</a:t>
+              <a:pPr/>
+              <a:t>2015-02-09</a:t>
             </a:fld>
             <a:endParaRPr lang="ko-KR" altLang="en-US"/>
           </a:p>
@@ -1651,6 +1664,7 @@
           <a:p>
             <a:fld id="{F8604710-49FD-4625-BB9A-012C7AE35F30}" type="slidenum">
               <a:rPr lang="ko-KR" altLang="en-US" smtClean="0"/>
+              <a:pPr/>
               <a:t>‹#›</a:t>
             </a:fld>
             <a:endParaRPr lang="ko-KR" altLang="en-US"/>
@@ -1660,7 +1674,7 @@
     </p:spTree>
     <p:extLst>
       <p:ext uri="{BB962C8B-B14F-4D97-AF65-F5344CB8AC3E}">
-        <p14:creationId xmlns:p14="http://schemas.microsoft.com/office/powerpoint/2010/main" val="681700370"/>
+        <p14:creationId xmlns:p14="http://schemas.microsoft.com/office/powerpoint/2010/main" xmlns="" val="681700370"/>
       </p:ext>
     </p:extLst>
   </p:cSld>
@@ -1727,7 +1741,8 @@
           <a:p>
             <a:fld id="{56EB93BF-DD5B-4223-84AD-6457057BBC21}" type="datetimeFigureOut">
               <a:rPr lang="ko-KR" altLang="en-US" smtClean="0"/>
-              <a:t>2015-02-08</a:t>
+              <a:pPr/>
+              <a:t>2015-02-09</a:t>
             </a:fld>
             <a:endParaRPr lang="ko-KR" altLang="en-US"/>
           </a:p>
@@ -1769,6 +1784,7 @@
           <a:p>
             <a:fld id="{F8604710-49FD-4625-BB9A-012C7AE35F30}" type="slidenum">
               <a:rPr lang="ko-KR" altLang="en-US" smtClean="0"/>
+              <a:pPr/>
               <a:t>‹#›</a:t>
             </a:fld>
             <a:endParaRPr lang="ko-KR" altLang="en-US"/>
@@ -1778,7 +1794,7 @@
     </p:spTree>
     <p:extLst>
       <p:ext uri="{BB962C8B-B14F-4D97-AF65-F5344CB8AC3E}">
-        <p14:creationId xmlns:p14="http://schemas.microsoft.com/office/powerpoint/2010/main" val="1399405779"/>
+        <p14:creationId xmlns:p14="http://schemas.microsoft.com/office/powerpoint/2010/main" xmlns="" val="1399405779"/>
       </p:ext>
     </p:extLst>
   </p:cSld>
@@ -1822,7 +1838,8 @@
           <a:p>
             <a:fld id="{56EB93BF-DD5B-4223-84AD-6457057BBC21}" type="datetimeFigureOut">
               <a:rPr lang="ko-KR" altLang="en-US" smtClean="0"/>
-              <a:t>2015-02-08</a:t>
+              <a:pPr/>
+              <a:t>2015-02-09</a:t>
             </a:fld>
             <a:endParaRPr lang="ko-KR" altLang="en-US"/>
           </a:p>
@@ -1864,6 +1881,7 @@
           <a:p>
             <a:fld id="{F8604710-49FD-4625-BB9A-012C7AE35F30}" type="slidenum">
               <a:rPr lang="ko-KR" altLang="en-US" smtClean="0"/>
+              <a:pPr/>
               <a:t>‹#›</a:t>
             </a:fld>
             <a:endParaRPr lang="ko-KR" altLang="en-US"/>
@@ -1873,7 +1891,7 @@
     </p:spTree>
     <p:extLst>
       <p:ext uri="{BB962C8B-B14F-4D97-AF65-F5344CB8AC3E}">
-        <p14:creationId xmlns:p14="http://schemas.microsoft.com/office/powerpoint/2010/main" val="1723387355"/>
+        <p14:creationId xmlns:p14="http://schemas.microsoft.com/office/powerpoint/2010/main" xmlns="" val="1723387355"/>
       </p:ext>
     </p:extLst>
   </p:cSld>
@@ -2099,7 +2117,8 @@
           <a:p>
             <a:fld id="{56EB93BF-DD5B-4223-84AD-6457057BBC21}" type="datetimeFigureOut">
               <a:rPr lang="ko-KR" altLang="en-US" smtClean="0"/>
-              <a:t>2015-02-08</a:t>
+              <a:pPr/>
+              <a:t>2015-02-09</a:t>
             </a:fld>
             <a:endParaRPr lang="ko-KR" altLang="en-US"/>
           </a:p>
@@ -2141,6 +2160,7 @@
           <a:p>
             <a:fld id="{F8604710-49FD-4625-BB9A-012C7AE35F30}" type="slidenum">
               <a:rPr lang="ko-KR" altLang="en-US" smtClean="0"/>
+              <a:pPr/>
               <a:t>‹#›</a:t>
             </a:fld>
             <a:endParaRPr lang="ko-KR" altLang="en-US"/>
@@ -2150,7 +2170,7 @@
     </p:spTree>
     <p:extLst>
       <p:ext uri="{BB962C8B-B14F-4D97-AF65-F5344CB8AC3E}">
-        <p14:creationId xmlns:p14="http://schemas.microsoft.com/office/powerpoint/2010/main" val="3270724383"/>
+        <p14:creationId xmlns:p14="http://schemas.microsoft.com/office/powerpoint/2010/main" xmlns="" val="3270724383"/>
       </p:ext>
     </p:extLst>
   </p:cSld>
@@ -2352,7 +2372,8 @@
           <a:p>
             <a:fld id="{56EB93BF-DD5B-4223-84AD-6457057BBC21}" type="datetimeFigureOut">
               <a:rPr lang="ko-KR" altLang="en-US" smtClean="0"/>
-              <a:t>2015-02-08</a:t>
+              <a:pPr/>
+              <a:t>2015-02-09</a:t>
             </a:fld>
             <a:endParaRPr lang="ko-KR" altLang="en-US"/>
           </a:p>
@@ -2394,6 +2415,7 @@
           <a:p>
             <a:fld id="{F8604710-49FD-4625-BB9A-012C7AE35F30}" type="slidenum">
               <a:rPr lang="ko-KR" altLang="en-US" smtClean="0"/>
+              <a:pPr/>
               <a:t>‹#›</a:t>
             </a:fld>
             <a:endParaRPr lang="ko-KR" altLang="en-US"/>
@@ -2403,7 +2425,7 @@
     </p:spTree>
     <p:extLst>
       <p:ext uri="{BB962C8B-B14F-4D97-AF65-F5344CB8AC3E}">
-        <p14:creationId xmlns:p14="http://schemas.microsoft.com/office/powerpoint/2010/main" val="28551869"/>
+        <p14:creationId xmlns:p14="http://schemas.microsoft.com/office/powerpoint/2010/main" xmlns="" val="28551869"/>
       </p:ext>
     </p:extLst>
   </p:cSld>
@@ -2565,7 +2587,8 @@
           <a:p>
             <a:fld id="{56EB93BF-DD5B-4223-84AD-6457057BBC21}" type="datetimeFigureOut">
               <a:rPr lang="ko-KR" altLang="en-US" smtClean="0"/>
-              <a:t>2015-02-08</a:t>
+              <a:pPr/>
+              <a:t>2015-02-09</a:t>
             </a:fld>
             <a:endParaRPr lang="ko-KR" altLang="en-US"/>
           </a:p>
@@ -2643,6 +2666,7 @@
           <a:p>
             <a:fld id="{F8604710-49FD-4625-BB9A-012C7AE35F30}" type="slidenum">
               <a:rPr lang="ko-KR" altLang="en-US" smtClean="0"/>
+              <a:pPr/>
               <a:t>‹#›</a:t>
             </a:fld>
             <a:endParaRPr lang="ko-KR" altLang="en-US"/>
@@ -2652,7 +2676,7 @@
     </p:spTree>
     <p:extLst>
       <p:ext uri="{BB962C8B-B14F-4D97-AF65-F5344CB8AC3E}">
-        <p14:creationId xmlns:p14="http://schemas.microsoft.com/office/powerpoint/2010/main" val="356113306"/>
+        <p14:creationId xmlns:p14="http://schemas.microsoft.com/office/powerpoint/2010/main" xmlns="" val="356113306"/>
       </p:ext>
     </p:extLst>
   </p:cSld>
@@ -5885,7 +5909,7 @@
     </p:spTree>
     <p:extLst>
       <p:ext uri="{BB962C8B-B14F-4D97-AF65-F5344CB8AC3E}">
-        <p14:creationId xmlns:p14="http://schemas.microsoft.com/office/powerpoint/2010/main" val="540192719"/>
+        <p14:creationId xmlns:p14="http://schemas.microsoft.com/office/powerpoint/2010/main" xmlns="" val="540192719"/>
       </p:ext>
     </p:extLst>
   </p:cSld>
@@ -5920,7 +5944,7 @@
         </p:nvSpPr>
         <p:spPr>
           <a:xfrm>
-            <a:off x="120198" y="79603"/>
+            <a:off x="208430" y="0"/>
             <a:ext cx="11983570" cy="6698186"/>
           </a:xfrm>
           <a:prstGeom prst="rect">
@@ -6142,11 +6166,6 @@
               </a:rPr>
               <a:t>Sync / Async Queue</a:t>
             </a:r>
-            <a:endParaRPr lang="en-US" altLang="ko-KR" sz="1600" b="1" smtClean="0">
-              <a:solidFill>
-                <a:srgbClr val="FFFF00"/>
-              </a:solidFill>
-            </a:endParaRPr>
           </a:p>
         </p:txBody>
       </p:sp>
@@ -7641,90 +7660,6 @@
       </p:sp>
       <p:sp>
         <p:nvSpPr>
-          <p:cNvPr id="25" name="왼쪽 화살표 설명선 24"/>
-          <p:cNvSpPr/>
-          <p:nvPr/>
-        </p:nvSpPr>
-        <p:spPr>
-          <a:xfrm>
-            <a:off x="8560048" y="1879717"/>
-            <a:ext cx="2733594" cy="574236"/>
-          </a:xfrm>
-          <a:prstGeom prst="leftArrowCallout">
-            <a:avLst/>
-          </a:prstGeom>
-        </p:spPr>
-        <p:style>
-          <a:lnRef idx="1">
-            <a:schemeClr val="accent6"/>
-          </a:lnRef>
-          <a:fillRef idx="2">
-            <a:schemeClr val="accent6"/>
-          </a:fillRef>
-          <a:effectRef idx="1">
-            <a:schemeClr val="accent6"/>
-          </a:effectRef>
-          <a:fontRef idx="minor">
-            <a:schemeClr val="dk1"/>
-          </a:fontRef>
-        </p:style>
-        <p:txBody>
-          <a:bodyPr rtlCol="0" anchor="ctr"/>
-          <a:lstStyle/>
-          <a:p>
-            <a:pPr algn="ctr"/>
-            <a:r>
-              <a:rPr lang="en-US" altLang="ko-KR" sz="1400" smtClean="0"/>
-              <a:t>Attach Service</a:t>
-            </a:r>
-            <a:endParaRPr lang="ko-KR" altLang="en-US" sz="1400"/>
-          </a:p>
-        </p:txBody>
-      </p:sp>
-      <p:sp>
-        <p:nvSpPr>
-          <p:cNvPr id="26" name="오른쪽 화살표 설명선 25"/>
-          <p:cNvSpPr/>
-          <p:nvPr/>
-        </p:nvSpPr>
-        <p:spPr>
-          <a:xfrm>
-            <a:off x="8621970" y="2526382"/>
-            <a:ext cx="2671672" cy="575042"/>
-          </a:xfrm>
-          <a:prstGeom prst="rightArrowCallout">
-            <a:avLst/>
-          </a:prstGeom>
-        </p:spPr>
-        <p:style>
-          <a:lnRef idx="1">
-            <a:schemeClr val="accent4"/>
-          </a:lnRef>
-          <a:fillRef idx="2">
-            <a:schemeClr val="accent4"/>
-          </a:fillRef>
-          <a:effectRef idx="1">
-            <a:schemeClr val="accent4"/>
-          </a:effectRef>
-          <a:fontRef idx="minor">
-            <a:schemeClr val="dk1"/>
-          </a:fontRef>
-        </p:style>
-        <p:txBody>
-          <a:bodyPr rtlCol="0" anchor="ctr"/>
-          <a:lstStyle/>
-          <a:p>
-            <a:pPr algn="ctr"/>
-            <a:r>
-              <a:rPr lang="en-US" altLang="ko-KR" sz="1400" smtClean="0"/>
-              <a:t>Detach Service</a:t>
-            </a:r>
-            <a:endParaRPr lang="ko-KR" altLang="en-US" sz="1400"/>
-          </a:p>
-        </p:txBody>
-      </p:sp>
-      <p:sp>
-        <p:nvSpPr>
           <p:cNvPr id="36" name="순서도: 자기 디스크 35"/>
           <p:cNvSpPr/>
           <p:nvPr/>
@@ -8145,16 +8080,7 @@
                 </a:solidFill>
                 <a:latin typeface="Myriad Pro" panose="020B0503030403020204" pitchFamily="34" charset="0"/>
               </a:rPr>
-              <a:t>Ftp </a:t>
-            </a:r>
-            <a:r>
-              <a:rPr lang="en-US" altLang="ko-KR" sz="1000" smtClean="0">
-                <a:solidFill>
-                  <a:schemeClr val="bg1"/>
-                </a:solidFill>
-                <a:latin typeface="Myriad Pro" panose="020B0503030403020204" pitchFamily="34" charset="0"/>
-              </a:rPr>
-              <a:t>Service</a:t>
+              <a:t>Ftp Service</a:t>
             </a:r>
           </a:p>
         </p:txBody>
@@ -8278,10 +8204,157 @@
           </a:fontRef>
         </p:style>
       </p:cxnSp>
+      <p:sp>
+        <p:nvSpPr>
+          <p:cNvPr id="57" name="오각형 56"/>
+          <p:cNvSpPr/>
+          <p:nvPr/>
+        </p:nvSpPr>
+        <p:spPr>
+          <a:xfrm>
+            <a:off x="8682677" y="1696997"/>
+            <a:ext cx="2800865" cy="494270"/>
+          </a:xfrm>
+          <a:prstGeom prst="homePlate">
+            <a:avLst/>
+          </a:prstGeom>
+        </p:spPr>
+        <p:style>
+          <a:lnRef idx="2">
+            <a:schemeClr val="accent1">
+              <a:shade val="50000"/>
+            </a:schemeClr>
+          </a:lnRef>
+          <a:fillRef idx="1">
+            <a:schemeClr val="accent1"/>
+          </a:fillRef>
+          <a:effectRef idx="0">
+            <a:schemeClr val="accent1"/>
+          </a:effectRef>
+          <a:fontRef idx="minor">
+            <a:schemeClr val="lt1"/>
+          </a:fontRef>
+        </p:style>
+        <p:txBody>
+          <a:bodyPr rtlCol="0" anchor="ctr"/>
+          <a:lstStyle/>
+          <a:p>
+            <a:r>
+              <a:rPr lang="en-US" altLang="ko-KR" sz="1100" b="1" smtClean="0">
+                <a:latin typeface="Myriad Pro"/>
+              </a:rPr>
+              <a:t>Event </a:t>
+            </a:r>
+            <a:r>
+              <a:rPr lang="en-US" altLang="ko-KR" sz="1100" b="1" smtClean="0">
+                <a:latin typeface="Myriad Pro"/>
+              </a:rPr>
+              <a:t>Publish Service Type</a:t>
+            </a:r>
+            <a:endParaRPr lang="ko-KR" altLang="en-US" sz="1100" b="1" smtClean="0">
+              <a:latin typeface="Myriad Pro"/>
+            </a:endParaRPr>
+          </a:p>
+        </p:txBody>
+      </p:sp>
+      <p:sp>
+        <p:nvSpPr>
+          <p:cNvPr id="58" name="오각형 57"/>
+          <p:cNvSpPr/>
+          <p:nvPr/>
+        </p:nvSpPr>
+        <p:spPr>
+          <a:xfrm>
+            <a:off x="8695032" y="2277763"/>
+            <a:ext cx="2796748" cy="494270"/>
+          </a:xfrm>
+          <a:prstGeom prst="homePlate">
+            <a:avLst/>
+          </a:prstGeom>
+        </p:spPr>
+        <p:style>
+          <a:lnRef idx="2">
+            <a:schemeClr val="accent1">
+              <a:shade val="50000"/>
+            </a:schemeClr>
+          </a:lnRef>
+          <a:fillRef idx="1">
+            <a:schemeClr val="accent1"/>
+          </a:fillRef>
+          <a:effectRef idx="0">
+            <a:schemeClr val="accent1"/>
+          </a:effectRef>
+          <a:fontRef idx="minor">
+            <a:schemeClr val="lt1"/>
+          </a:fontRef>
+        </p:style>
+        <p:txBody>
+          <a:bodyPr rtlCol="0" anchor="ctr"/>
+          <a:lstStyle/>
+          <a:p>
+            <a:r>
+              <a:rPr lang="en-US" altLang="ko-KR" sz="1100" b="1" smtClean="0">
+                <a:latin typeface="Myriad Pro"/>
+              </a:rPr>
+              <a:t>Route Processor Service Type</a:t>
+            </a:r>
+            <a:endParaRPr lang="ko-KR" altLang="en-US" sz="1100" b="1" smtClean="0">
+              <a:latin typeface="Myriad Pro"/>
+            </a:endParaRPr>
+          </a:p>
+        </p:txBody>
+      </p:sp>
+      <p:sp>
+        <p:nvSpPr>
+          <p:cNvPr id="59" name="오각형 58"/>
+          <p:cNvSpPr/>
+          <p:nvPr/>
+        </p:nvSpPr>
+        <p:spPr>
+          <a:xfrm>
+            <a:off x="8690914" y="2850291"/>
+            <a:ext cx="2800866" cy="494270"/>
+          </a:xfrm>
+          <a:prstGeom prst="homePlate">
+            <a:avLst/>
+          </a:prstGeom>
+        </p:spPr>
+        <p:style>
+          <a:lnRef idx="2">
+            <a:schemeClr val="accent1">
+              <a:shade val="50000"/>
+            </a:schemeClr>
+          </a:lnRef>
+          <a:fillRef idx="1">
+            <a:schemeClr val="accent1"/>
+          </a:fillRef>
+          <a:effectRef idx="0">
+            <a:schemeClr val="accent1"/>
+          </a:effectRef>
+          <a:fontRef idx="minor">
+            <a:schemeClr val="lt1"/>
+          </a:fontRef>
+        </p:style>
+        <p:txBody>
+          <a:bodyPr rtlCol="0" anchor="ctr"/>
+          <a:lstStyle/>
+          <a:p>
+            <a:r>
+              <a:rPr lang="en-US" altLang="ko-KR" sz="1100" b="1" smtClean="0">
+                <a:latin typeface="Myriad Pro"/>
+              </a:rPr>
+              <a:t>Route Processor  Recursive Service Type</a:t>
+            </a:r>
+            <a:endParaRPr lang="ko-KR" altLang="en-US" sz="1100" b="1" smtClean="0">
+              <a:latin typeface="Myriad Pro"/>
+            </a:endParaRPr>
+          </a:p>
+        </p:txBody>
+      </p:sp>
     </p:spTree>
     <p:extLst>
       <p:ext uri="{BB962C8B-B14F-4D97-AF65-F5344CB8AC3E}">
-        <p14:creationId xmlns:p14="http://schemas.microsoft.com/office/powerpoint/2010/main" val="3703115072"/>
+        <p14:creationId xmlns:p14="http://schemas.microsoft.com/office/powerpoint/2010/main" xmlns="" val="3703115072"/>
       </p:ext>
     </p:extLst>
   </p:cSld>
@@ -8334,7 +8407,7 @@
     </a:clrScheme>
     <a:fontScheme name="Office">
       <a:majorFont>
-        <a:latin typeface="맑은 고딕" panose="020F0302020204030204"/>
+        <a:latin typeface="맑은 고딕"/>
         <a:ea typeface=""/>
         <a:cs typeface=""/>
         <a:font script="Jpan" typeface="ＭＳ Ｐゴシック"/>
@@ -8369,7 +8442,7 @@
         <a:font script="Geor" typeface="Sylfaen"/>
       </a:majorFont>
       <a:minorFont>
-        <a:latin typeface="맑은 고딕" panose="020F0502020204030204"/>
+        <a:latin typeface="맑은 고딕"/>
         <a:ea typeface=""/>
         <a:cs typeface=""/>
         <a:font script="Jpan" typeface="ＭＳ Ｐゴシック"/>
@@ -8546,7 +8619,7 @@
   <a:extraClrSchemeLst/>
   <a:extLst>
     <a:ext uri="{05A4C25C-085E-4340-85A3-A5531E510DB2}">
-      <thm15:themeFamily xmlns:thm15="http://schemas.microsoft.com/office/thememl/2012/main" name="Office Theme" id="{62F939B6-93AF-4DB8-9C6B-D6C7DFDC589F}" vid="{4A3C46E8-61CC-4603-A589-7422A47A8E4A}"/>
+      <thm15:themeFamily xmlns:thm15="http://schemas.microsoft.com/office/thememl/2012/main" xmlns="" name="Office Theme" id="{62F939B6-93AF-4DB8-9C6B-D6C7DFDC589F}" vid="{4A3C46E8-61CC-4603-A589-7422A47A8E4A}"/>
     </a:ext>
   </a:extLst>
 </a:theme>
